--- a/New Microsoft PowerPoint Presentation.pptx
+++ b/New Microsoft PowerPoint Presentation.pptx
@@ -104,6 +104,11 @@
       </a:defRPr>
     </a:lvl9pPr>
   </p:defaultTextStyle>
+  <p:extLst>
+    <p:ext uri="{EFAFB233-063F-42B5-8137-9DF3F51BA10A}">
+      <p15:sldGuideLst xmlns:p15="http://schemas.microsoft.com/office/powerpoint/2012/main"/>
+    </p:ext>
+  </p:extLst>
 </p:presentation>
 </file>
 
@@ -510,7 +515,7 @@
           <a:p>
             <a:fld id="{7FC2B31D-EEE3-4D15-A51C-60E704313611}" type="datetimeFigureOut">
               <a:rPr lang="en-US" smtClean="0"/>
-              <a:t>8/2/2022</a:t>
+              <a:t>8/6/2022</a:t>
             </a:fld>
             <a:endParaRPr lang="en-US"/>
           </a:p>
@@ -689,7 +694,7 @@
           <a:p>
             <a:fld id="{7FC2B31D-EEE3-4D15-A51C-60E704313611}" type="datetimeFigureOut">
               <a:rPr lang="en-US" smtClean="0"/>
-              <a:t>8/2/2022</a:t>
+              <a:t>8/6/2022</a:t>
             </a:fld>
             <a:endParaRPr lang="en-US"/>
           </a:p>
@@ -869,7 +874,7 @@
           <a:p>
             <a:fld id="{7FC2B31D-EEE3-4D15-A51C-60E704313611}" type="datetimeFigureOut">
               <a:rPr lang="en-US" smtClean="0"/>
-              <a:t>8/2/2022</a:t>
+              <a:t>8/6/2022</a:t>
             </a:fld>
             <a:endParaRPr lang="en-US"/>
           </a:p>
@@ -1039,7 +1044,7 @@
           <a:p>
             <a:fld id="{7FC2B31D-EEE3-4D15-A51C-60E704313611}" type="datetimeFigureOut">
               <a:rPr lang="en-US" smtClean="0"/>
-              <a:t>8/2/2022</a:t>
+              <a:t>8/6/2022</a:t>
             </a:fld>
             <a:endParaRPr lang="en-US"/>
           </a:p>
@@ -1352,7 +1357,7 @@
           <a:p>
             <a:fld id="{7FC2B31D-EEE3-4D15-A51C-60E704313611}" type="datetimeFigureOut">
               <a:rPr lang="en-US" smtClean="0"/>
-              <a:t>8/2/2022</a:t>
+              <a:t>8/6/2022</a:t>
             </a:fld>
             <a:endParaRPr lang="en-US"/>
           </a:p>
@@ -1738,7 +1743,7 @@
           <a:p>
             <a:fld id="{7FC2B31D-EEE3-4D15-A51C-60E704313611}" type="datetimeFigureOut">
               <a:rPr lang="en-US" smtClean="0"/>
-              <a:t>8/2/2022</a:t>
+              <a:t>8/6/2022</a:t>
             </a:fld>
             <a:endParaRPr lang="en-US"/>
           </a:p>
@@ -2172,7 +2177,7 @@
           <a:p>
             <a:fld id="{7FC2B31D-EEE3-4D15-A51C-60E704313611}" type="datetimeFigureOut">
               <a:rPr lang="en-US" smtClean="0"/>
-              <a:t>8/2/2022</a:t>
+              <a:t>8/6/2022</a:t>
             </a:fld>
             <a:endParaRPr lang="en-US"/>
           </a:p>
@@ -2290,7 +2295,7 @@
           <a:p>
             <a:fld id="{7FC2B31D-EEE3-4D15-A51C-60E704313611}" type="datetimeFigureOut">
               <a:rPr lang="en-US" smtClean="0"/>
-              <a:t>8/2/2022</a:t>
+              <a:t>8/6/2022</a:t>
             </a:fld>
             <a:endParaRPr lang="en-US"/>
           </a:p>
@@ -2385,7 +2390,7 @@
           <a:p>
             <a:fld id="{7FC2B31D-EEE3-4D15-A51C-60E704313611}" type="datetimeFigureOut">
               <a:rPr lang="en-US" smtClean="0"/>
-              <a:t>8/2/2022</a:t>
+              <a:t>8/6/2022</a:t>
             </a:fld>
             <a:endParaRPr lang="en-US"/>
           </a:p>
@@ -2735,7 +2740,7 @@
           <a:p>
             <a:fld id="{7FC2B31D-EEE3-4D15-A51C-60E704313611}" type="datetimeFigureOut">
               <a:rPr lang="en-US" smtClean="0"/>
-              <a:t>8/2/2022</a:t>
+              <a:t>8/6/2022</a:t>
             </a:fld>
             <a:endParaRPr lang="en-US"/>
           </a:p>
@@ -3160,7 +3165,7 @@
           <a:p>
             <a:fld id="{7FC2B31D-EEE3-4D15-A51C-60E704313611}" type="datetimeFigureOut">
               <a:rPr lang="en-US" smtClean="0"/>
-              <a:t>8/2/2022</a:t>
+              <a:t>8/6/2022</a:t>
             </a:fld>
             <a:endParaRPr lang="en-US"/>
           </a:p>
@@ -3441,7 +3446,7 @@
           <a:p>
             <a:fld id="{7FC2B31D-EEE3-4D15-A51C-60E704313611}" type="datetimeFigureOut">
               <a:rPr lang="en-US" smtClean="0"/>
-              <a:t>8/2/2022</a:t>
+              <a:t>8/6/2022</a:t>
             </a:fld>
             <a:endParaRPr lang="en-US"/>
           </a:p>
@@ -6284,14 +6289,14 @@
           <p:nvPr>
             <p:extLst>
               <p:ext uri="{D42A27DB-BD31-4B8C-83A1-F6EECF244321}">
-                <p14:modId xmlns:p14="http://schemas.microsoft.com/office/powerpoint/2010/main" val="1625456381"/>
+                <p14:modId xmlns:p14="http://schemas.microsoft.com/office/powerpoint/2010/main" val="1843306489"/>
               </p:ext>
             </p:extLst>
           </p:nvPr>
         </p:nvGraphicFramePr>
         <p:xfrm>
           <a:off x="169817" y="1432195"/>
-          <a:ext cx="3013168" cy="1524000"/>
+          <a:ext cx="3222627" cy="1524000"/>
         </p:xfrm>
         <a:graphic>
           <a:graphicData uri="http://schemas.openxmlformats.org/drawingml/2006/table">
@@ -6349,7 +6354,7 @@
                     </a:ext>
                   </a:extLst>
                 </a:gridCol>
-                <a:gridCol w="376646">
+                <a:gridCol w="586105">
                   <a:extLst>
                     <a:ext uri="{9D8B030D-6E8A-4147-A177-3AD203B41FA5}">
                       <a16:colId xmlns:a16="http://schemas.microsoft.com/office/drawing/2014/main" val="1262160703"/>

--- a/New Microsoft PowerPoint Presentation.pptx
+++ b/New Microsoft PowerPoint Presentation.pptx
@@ -515,7 +515,7 @@
           <a:p>
             <a:fld id="{7FC2B31D-EEE3-4D15-A51C-60E704313611}" type="datetimeFigureOut">
               <a:rPr lang="en-US" smtClean="0"/>
-              <a:t>8/6/2022</a:t>
+              <a:t>8/26/2022</a:t>
             </a:fld>
             <a:endParaRPr lang="en-US"/>
           </a:p>
@@ -694,7 +694,7 @@
           <a:p>
             <a:fld id="{7FC2B31D-EEE3-4D15-A51C-60E704313611}" type="datetimeFigureOut">
               <a:rPr lang="en-US" smtClean="0"/>
-              <a:t>8/6/2022</a:t>
+              <a:t>8/26/2022</a:t>
             </a:fld>
             <a:endParaRPr lang="en-US"/>
           </a:p>
@@ -874,7 +874,7 @@
           <a:p>
             <a:fld id="{7FC2B31D-EEE3-4D15-A51C-60E704313611}" type="datetimeFigureOut">
               <a:rPr lang="en-US" smtClean="0"/>
-              <a:t>8/6/2022</a:t>
+              <a:t>8/26/2022</a:t>
             </a:fld>
             <a:endParaRPr lang="en-US"/>
           </a:p>
@@ -1044,7 +1044,7 @@
           <a:p>
             <a:fld id="{7FC2B31D-EEE3-4D15-A51C-60E704313611}" type="datetimeFigureOut">
               <a:rPr lang="en-US" smtClean="0"/>
-              <a:t>8/6/2022</a:t>
+              <a:t>8/26/2022</a:t>
             </a:fld>
             <a:endParaRPr lang="en-US"/>
           </a:p>
@@ -1357,7 +1357,7 @@
           <a:p>
             <a:fld id="{7FC2B31D-EEE3-4D15-A51C-60E704313611}" type="datetimeFigureOut">
               <a:rPr lang="en-US" smtClean="0"/>
-              <a:t>8/6/2022</a:t>
+              <a:t>8/26/2022</a:t>
             </a:fld>
             <a:endParaRPr lang="en-US"/>
           </a:p>
@@ -1743,7 +1743,7 @@
           <a:p>
             <a:fld id="{7FC2B31D-EEE3-4D15-A51C-60E704313611}" type="datetimeFigureOut">
               <a:rPr lang="en-US" smtClean="0"/>
-              <a:t>8/6/2022</a:t>
+              <a:t>8/26/2022</a:t>
             </a:fld>
             <a:endParaRPr lang="en-US"/>
           </a:p>
@@ -2177,7 +2177,7 @@
           <a:p>
             <a:fld id="{7FC2B31D-EEE3-4D15-A51C-60E704313611}" type="datetimeFigureOut">
               <a:rPr lang="en-US" smtClean="0"/>
-              <a:t>8/6/2022</a:t>
+              <a:t>8/26/2022</a:t>
             </a:fld>
             <a:endParaRPr lang="en-US"/>
           </a:p>
@@ -2295,7 +2295,7 @@
           <a:p>
             <a:fld id="{7FC2B31D-EEE3-4D15-A51C-60E704313611}" type="datetimeFigureOut">
               <a:rPr lang="en-US" smtClean="0"/>
-              <a:t>8/6/2022</a:t>
+              <a:t>8/26/2022</a:t>
             </a:fld>
             <a:endParaRPr lang="en-US"/>
           </a:p>
@@ -2390,7 +2390,7 @@
           <a:p>
             <a:fld id="{7FC2B31D-EEE3-4D15-A51C-60E704313611}" type="datetimeFigureOut">
               <a:rPr lang="en-US" smtClean="0"/>
-              <a:t>8/6/2022</a:t>
+              <a:t>8/26/2022</a:t>
             </a:fld>
             <a:endParaRPr lang="en-US"/>
           </a:p>
@@ -2740,7 +2740,7 @@
           <a:p>
             <a:fld id="{7FC2B31D-EEE3-4D15-A51C-60E704313611}" type="datetimeFigureOut">
               <a:rPr lang="en-US" smtClean="0"/>
-              <a:t>8/6/2022</a:t>
+              <a:t>8/26/2022</a:t>
             </a:fld>
             <a:endParaRPr lang="en-US"/>
           </a:p>
@@ -3165,7 +3165,7 @@
           <a:p>
             <a:fld id="{7FC2B31D-EEE3-4D15-A51C-60E704313611}" type="datetimeFigureOut">
               <a:rPr lang="en-US" smtClean="0"/>
-              <a:t>8/6/2022</a:t>
+              <a:t>8/26/2022</a:t>
             </a:fld>
             <a:endParaRPr lang="en-US"/>
           </a:p>
@@ -3446,7 +3446,7 @@
           <a:p>
             <a:fld id="{7FC2B31D-EEE3-4D15-A51C-60E704313611}" type="datetimeFigureOut">
               <a:rPr lang="en-US" smtClean="0"/>
-              <a:t>8/6/2022</a:t>
+              <a:t>8/26/2022</a:t>
             </a:fld>
             <a:endParaRPr lang="en-US"/>
           </a:p>
@@ -5515,7 +5515,7 @@
           <p:nvPr>
             <p:extLst>
               <p:ext uri="{D42A27DB-BD31-4B8C-83A1-F6EECF244321}">
-                <p14:modId xmlns:p14="http://schemas.microsoft.com/office/powerpoint/2010/main" val="3218425348"/>
+                <p14:modId xmlns:p14="http://schemas.microsoft.com/office/powerpoint/2010/main" val="2774952771"/>
               </p:ext>
             </p:extLst>
           </p:nvPr>
@@ -6210,7 +6210,10 @@
                     <a:lstStyle/>
                     <a:p>
                       <a:pPr algn="ctr"/>
-                      <a:endParaRPr lang="en-US" sz="600" dirty="0"/>
+                      <a:r>
+                        <a:rPr lang="en-US" sz="600" dirty="0"/>
+                        <a:t>RST</a:t>
+                      </a:r>
                     </a:p>
                   </a:txBody>
                   <a:tcPr anchor="ctr">
@@ -6228,10 +6231,7 @@
                     <a:lstStyle/>
                     <a:p>
                       <a:pPr algn="ctr"/>
-                      <a:r>
-                        <a:rPr lang="en-US" sz="700" dirty="0"/>
-                        <a:t>RST</a:t>
-                      </a:r>
+                      <a:endParaRPr lang="en-US" sz="700" dirty="0"/>
                     </a:p>
                   </a:txBody>
                   <a:tcPr anchor="ctr">
@@ -6289,14 +6289,14 @@
           <p:nvPr>
             <p:extLst>
               <p:ext uri="{D42A27DB-BD31-4B8C-83A1-F6EECF244321}">
-                <p14:modId xmlns:p14="http://schemas.microsoft.com/office/powerpoint/2010/main" val="1843306489"/>
+                <p14:modId xmlns:p14="http://schemas.microsoft.com/office/powerpoint/2010/main" val="1330022002"/>
               </p:ext>
             </p:extLst>
           </p:nvPr>
         </p:nvGraphicFramePr>
         <p:xfrm>
           <a:off x="169817" y="1432195"/>
-          <a:ext cx="3222627" cy="1524000"/>
+          <a:ext cx="3096494" cy="1577078"/>
         </p:xfrm>
         <a:graphic>
           <a:graphicData uri="http://schemas.openxmlformats.org/drawingml/2006/table">
@@ -6305,56 +6305,56 @@
                 <a:tableStyleId>{5940675A-B579-460E-94D1-54222C63F5DA}</a:tableStyleId>
               </a:tblPr>
               <a:tblGrid>
-                <a:gridCol w="376646">
+                <a:gridCol w="361904">
                   <a:extLst>
                     <a:ext uri="{9D8B030D-6E8A-4147-A177-3AD203B41FA5}">
                       <a16:colId xmlns:a16="http://schemas.microsoft.com/office/drawing/2014/main" val="2914273375"/>
                     </a:ext>
                   </a:extLst>
                 </a:gridCol>
-                <a:gridCol w="376646">
+                <a:gridCol w="361904">
                   <a:extLst>
                     <a:ext uri="{9D8B030D-6E8A-4147-A177-3AD203B41FA5}">
                       <a16:colId xmlns:a16="http://schemas.microsoft.com/office/drawing/2014/main" val="3608413178"/>
                     </a:ext>
                   </a:extLst>
                 </a:gridCol>
-                <a:gridCol w="376646">
+                <a:gridCol w="361904">
                   <a:extLst>
                     <a:ext uri="{9D8B030D-6E8A-4147-A177-3AD203B41FA5}">
                       <a16:colId xmlns:a16="http://schemas.microsoft.com/office/drawing/2014/main" val="1494572208"/>
                     </a:ext>
                   </a:extLst>
                 </a:gridCol>
-                <a:gridCol w="376646">
+                <a:gridCol w="361904">
                   <a:extLst>
                     <a:ext uri="{9D8B030D-6E8A-4147-A177-3AD203B41FA5}">
                       <a16:colId xmlns:a16="http://schemas.microsoft.com/office/drawing/2014/main" val="2250337525"/>
                     </a:ext>
                   </a:extLst>
                 </a:gridCol>
-                <a:gridCol w="376646">
+                <a:gridCol w="361904">
                   <a:extLst>
                     <a:ext uri="{9D8B030D-6E8A-4147-A177-3AD203B41FA5}">
                       <a16:colId xmlns:a16="http://schemas.microsoft.com/office/drawing/2014/main" val="74063945"/>
                     </a:ext>
                   </a:extLst>
                 </a:gridCol>
-                <a:gridCol w="376646">
+                <a:gridCol w="361904">
                   <a:extLst>
                     <a:ext uri="{9D8B030D-6E8A-4147-A177-3AD203B41FA5}">
                       <a16:colId xmlns:a16="http://schemas.microsoft.com/office/drawing/2014/main" val="57931970"/>
                     </a:ext>
                   </a:extLst>
                 </a:gridCol>
-                <a:gridCol w="376646">
+                <a:gridCol w="361904">
                   <a:extLst>
                     <a:ext uri="{9D8B030D-6E8A-4147-A177-3AD203B41FA5}">
                       <a16:colId xmlns:a16="http://schemas.microsoft.com/office/drawing/2014/main" val="477951865"/>
                     </a:ext>
                   </a:extLst>
                 </a:gridCol>
-                <a:gridCol w="586105">
+                <a:gridCol w="563166">
                   <a:extLst>
                     <a:ext uri="{9D8B030D-6E8A-4147-A177-3AD203B41FA5}">
                       <a16:colId xmlns:a16="http://schemas.microsoft.com/office/drawing/2014/main" val="1262160703"/>
@@ -6362,7 +6362,7 @@
                   </a:extLst>
                 </a:gridCol>
               </a:tblGrid>
-              <a:tr h="370840">
+              <a:tr h="346579">
                 <a:tc>
                   <a:txBody>
                     <a:bodyPr/>
@@ -6537,7 +6537,7 @@
                   </a:ext>
                 </a:extLst>
               </a:tr>
-              <a:tr h="370840">
+              <a:tr h="484262">
                 <a:tc>
                   <a:txBody>
                     <a:bodyPr/>
@@ -6709,7 +6709,7 @@
                   </a:ext>
                 </a:extLst>
               </a:tr>
-              <a:tr h="370840">
+              <a:tr h="346579">
                 <a:tc>
                   <a:txBody>
                     <a:bodyPr/>
@@ -6884,7 +6884,7 @@
                   </a:ext>
                 </a:extLst>
               </a:tr>
-              <a:tr h="370840">
+              <a:tr h="346579">
                 <a:tc>
                   <a:txBody>
                     <a:bodyPr/>
